--- a/ppt 16-9/1357.美丽的佳偶.pptx
+++ b/ppt 16-9/1357.美丽的佳偶.pptx
@@ -5,7 +5,7 @@
     <p:sldMasterId id="2147483648" r:id="rId1"/>
   </p:sldMasterIdLst>
   <p:sldIdLst>
-    <p:sldId id="921" r:id="rId2"/>
+    <p:sldId id="922" r:id="rId2"/>
   </p:sldIdLst>
   <p:sldSz cx="12192000" cy="6858000"/>
   <p:notesSz cx="6858000" cy="9144000"/>
@@ -129,7 +129,7 @@
           <p:cNvPr id="2" name="标题 1">
             <a:extLst>
               <a:ext uri="{FF2B5EF4-FFF2-40B4-BE49-F238E27FC236}">
-                <a16:creationId xmlns:a16="http://schemas.microsoft.com/office/drawing/2014/main" id="{75FB4627-D086-FF99-3303-4B59752E0F36}"/>
+                <a16:creationId xmlns:a16="http://schemas.microsoft.com/office/drawing/2014/main" id="{4590F590-5EA7-DDAC-7B4C-B49023BEFC5B}"/>
               </a:ext>
             </a:extLst>
           </p:cNvPr>
@@ -166,7 +166,7 @@
           <p:cNvPr id="3" name="副标题 2">
             <a:extLst>
               <a:ext uri="{FF2B5EF4-FFF2-40B4-BE49-F238E27FC236}">
-                <a16:creationId xmlns:a16="http://schemas.microsoft.com/office/drawing/2014/main" id="{01D49D20-9394-01F8-DBC8-79746A92DCED}"/>
+                <a16:creationId xmlns:a16="http://schemas.microsoft.com/office/drawing/2014/main" id="{1EA1B7F1-6DDE-CBD0-8C86-0462FE11DEDF}"/>
               </a:ext>
             </a:extLst>
           </p:cNvPr>
@@ -236,7 +236,7 @@
           <p:cNvPr id="4" name="日期占位符 3">
             <a:extLst>
               <a:ext uri="{FF2B5EF4-FFF2-40B4-BE49-F238E27FC236}">
-                <a16:creationId xmlns:a16="http://schemas.microsoft.com/office/drawing/2014/main" id="{0212A174-54C3-48FF-53F6-B151B86764E5}"/>
+                <a16:creationId xmlns:a16="http://schemas.microsoft.com/office/drawing/2014/main" id="{F489F75D-9E51-CE4F-45CD-8CF8DE964380}"/>
               </a:ext>
             </a:extLst>
           </p:cNvPr>
@@ -252,7 +252,7 @@
           <a:bodyPr/>
           <a:lstStyle/>
           <a:p>
-            <a:fld id="{35FD4D66-76EA-4F0A-83B4-0241985209E9}" type="datetimeFigureOut">
+            <a:fld id="{2D325AC5-7CD0-475F-A950-079C34EE24B6}" type="datetimeFigureOut">
               <a:rPr lang="zh-CN" altLang="en-US" smtClean="0"/>
               <a:t>2024/3/10</a:t>
             </a:fld>
@@ -265,7 +265,7 @@
           <p:cNvPr id="5" name="页脚占位符 4">
             <a:extLst>
               <a:ext uri="{FF2B5EF4-FFF2-40B4-BE49-F238E27FC236}">
-                <a16:creationId xmlns:a16="http://schemas.microsoft.com/office/drawing/2014/main" id="{8363924F-9B46-E4A0-7C92-84A326BD5E96}"/>
+                <a16:creationId xmlns:a16="http://schemas.microsoft.com/office/drawing/2014/main" id="{014E21CF-45B4-4F97-7495-C3856AA33447}"/>
               </a:ext>
             </a:extLst>
           </p:cNvPr>
@@ -290,7 +290,7 @@
           <p:cNvPr id="6" name="灯片编号占位符 5">
             <a:extLst>
               <a:ext uri="{FF2B5EF4-FFF2-40B4-BE49-F238E27FC236}">
-                <a16:creationId xmlns:a16="http://schemas.microsoft.com/office/drawing/2014/main" id="{300AC095-C828-0492-3704-AAC990C3B82F}"/>
+                <a16:creationId xmlns:a16="http://schemas.microsoft.com/office/drawing/2014/main" id="{6CFFEA62-B4DB-EDC7-D45B-D5883971F800}"/>
               </a:ext>
             </a:extLst>
           </p:cNvPr>
@@ -306,7 +306,7 @@
           <a:bodyPr/>
           <a:lstStyle/>
           <a:p>
-            <a:fld id="{0BE0DD3F-8FD2-47D9-8A24-E84F1F2DC940}" type="slidenum">
+            <a:fld id="{28D6C77A-7846-477B-B2E0-32ADD9DF8374}" type="slidenum">
               <a:rPr lang="zh-CN" altLang="en-US" smtClean="0"/>
               <a:t>‹#›</a:t>
             </a:fld>
@@ -317,7 +317,7 @@
     </p:spTree>
     <p:extLst>
       <p:ext uri="{BB962C8B-B14F-4D97-AF65-F5344CB8AC3E}">
-        <p14:creationId xmlns:p14="http://schemas.microsoft.com/office/powerpoint/2010/main" val="4107956402"/>
+        <p14:creationId xmlns:p14="http://schemas.microsoft.com/office/powerpoint/2010/main" val="1886076157"/>
       </p:ext>
     </p:extLst>
   </p:cSld>
@@ -349,7 +349,7 @@
           <p:cNvPr id="2" name="标题 1">
             <a:extLst>
               <a:ext uri="{FF2B5EF4-FFF2-40B4-BE49-F238E27FC236}">
-                <a16:creationId xmlns:a16="http://schemas.microsoft.com/office/drawing/2014/main" id="{5CD1D97F-C10E-D428-E969-F67F8B39E18A}"/>
+                <a16:creationId xmlns:a16="http://schemas.microsoft.com/office/drawing/2014/main" id="{02A149ED-6602-B3EF-7B6D-210887421747}"/>
               </a:ext>
             </a:extLst>
           </p:cNvPr>
@@ -377,7 +377,7 @@
           <p:cNvPr id="3" name="竖排文字占位符 2">
             <a:extLst>
               <a:ext uri="{FF2B5EF4-FFF2-40B4-BE49-F238E27FC236}">
-                <a16:creationId xmlns:a16="http://schemas.microsoft.com/office/drawing/2014/main" id="{58EA4991-8164-B080-D609-E38E9BF3BB01}"/>
+                <a16:creationId xmlns:a16="http://schemas.microsoft.com/office/drawing/2014/main" id="{2E3D6D45-EE73-AD93-4D49-97123206D029}"/>
               </a:ext>
             </a:extLst>
           </p:cNvPr>
@@ -434,7 +434,7 @@
           <p:cNvPr id="4" name="日期占位符 3">
             <a:extLst>
               <a:ext uri="{FF2B5EF4-FFF2-40B4-BE49-F238E27FC236}">
-                <a16:creationId xmlns:a16="http://schemas.microsoft.com/office/drawing/2014/main" id="{2CD28CAA-6A22-133C-6637-62C4555CD488}"/>
+                <a16:creationId xmlns:a16="http://schemas.microsoft.com/office/drawing/2014/main" id="{416B44D0-7C43-6994-0D7E-4F70973A59AC}"/>
               </a:ext>
             </a:extLst>
           </p:cNvPr>
@@ -450,7 +450,7 @@
           <a:bodyPr/>
           <a:lstStyle/>
           <a:p>
-            <a:fld id="{35FD4D66-76EA-4F0A-83B4-0241985209E9}" type="datetimeFigureOut">
+            <a:fld id="{2D325AC5-7CD0-475F-A950-079C34EE24B6}" type="datetimeFigureOut">
               <a:rPr lang="zh-CN" altLang="en-US" smtClean="0"/>
               <a:t>2024/3/10</a:t>
             </a:fld>
@@ -463,7 +463,7 @@
           <p:cNvPr id="5" name="页脚占位符 4">
             <a:extLst>
               <a:ext uri="{FF2B5EF4-FFF2-40B4-BE49-F238E27FC236}">
-                <a16:creationId xmlns:a16="http://schemas.microsoft.com/office/drawing/2014/main" id="{3ED3E185-A822-03A4-8C3D-6F0548803A63}"/>
+                <a16:creationId xmlns:a16="http://schemas.microsoft.com/office/drawing/2014/main" id="{6353F25D-EBD6-8103-DDEE-64D99736CA57}"/>
               </a:ext>
             </a:extLst>
           </p:cNvPr>
@@ -488,7 +488,7 @@
           <p:cNvPr id="6" name="灯片编号占位符 5">
             <a:extLst>
               <a:ext uri="{FF2B5EF4-FFF2-40B4-BE49-F238E27FC236}">
-                <a16:creationId xmlns:a16="http://schemas.microsoft.com/office/drawing/2014/main" id="{2478FF0A-6C21-EB2D-1360-B6CFA2B3BCA3}"/>
+                <a16:creationId xmlns:a16="http://schemas.microsoft.com/office/drawing/2014/main" id="{40ED52D5-D7DE-0911-6BA7-F9E9B635FB18}"/>
               </a:ext>
             </a:extLst>
           </p:cNvPr>
@@ -504,7 +504,7 @@
           <a:bodyPr/>
           <a:lstStyle/>
           <a:p>
-            <a:fld id="{0BE0DD3F-8FD2-47D9-8A24-E84F1F2DC940}" type="slidenum">
+            <a:fld id="{28D6C77A-7846-477B-B2E0-32ADD9DF8374}" type="slidenum">
               <a:rPr lang="zh-CN" altLang="en-US" smtClean="0"/>
               <a:t>‹#›</a:t>
             </a:fld>
@@ -515,7 +515,7 @@
     </p:spTree>
     <p:extLst>
       <p:ext uri="{BB962C8B-B14F-4D97-AF65-F5344CB8AC3E}">
-        <p14:creationId xmlns:p14="http://schemas.microsoft.com/office/powerpoint/2010/main" val="2950757968"/>
+        <p14:creationId xmlns:p14="http://schemas.microsoft.com/office/powerpoint/2010/main" val="2909821357"/>
       </p:ext>
     </p:extLst>
   </p:cSld>
@@ -547,7 +547,7 @@
           <p:cNvPr id="2" name="竖排标题 1">
             <a:extLst>
               <a:ext uri="{FF2B5EF4-FFF2-40B4-BE49-F238E27FC236}">
-                <a16:creationId xmlns:a16="http://schemas.microsoft.com/office/drawing/2014/main" id="{AA7805C1-5C9C-7FF9-C3E0-BC6A84EE47EC}"/>
+                <a16:creationId xmlns:a16="http://schemas.microsoft.com/office/drawing/2014/main" id="{7864AE89-4349-D5A6-D81F-6DB3BBBB0ED7}"/>
               </a:ext>
             </a:extLst>
           </p:cNvPr>
@@ -580,7 +580,7 @@
           <p:cNvPr id="3" name="竖排文字占位符 2">
             <a:extLst>
               <a:ext uri="{FF2B5EF4-FFF2-40B4-BE49-F238E27FC236}">
-                <a16:creationId xmlns:a16="http://schemas.microsoft.com/office/drawing/2014/main" id="{B9DD6764-11EC-F615-F77D-571B83880C18}"/>
+                <a16:creationId xmlns:a16="http://schemas.microsoft.com/office/drawing/2014/main" id="{253A9D7D-6CD1-56DD-DEF9-ADF4424404C0}"/>
               </a:ext>
             </a:extLst>
           </p:cNvPr>
@@ -642,7 +642,7 @@
           <p:cNvPr id="4" name="日期占位符 3">
             <a:extLst>
               <a:ext uri="{FF2B5EF4-FFF2-40B4-BE49-F238E27FC236}">
-                <a16:creationId xmlns:a16="http://schemas.microsoft.com/office/drawing/2014/main" id="{85B6EEDC-FD24-2E13-EBEE-CAC05D50E9FB}"/>
+                <a16:creationId xmlns:a16="http://schemas.microsoft.com/office/drawing/2014/main" id="{D7630D68-F334-3F3D-7A5D-1447ADE1690A}"/>
               </a:ext>
             </a:extLst>
           </p:cNvPr>
@@ -658,7 +658,7 @@
           <a:bodyPr/>
           <a:lstStyle/>
           <a:p>
-            <a:fld id="{35FD4D66-76EA-4F0A-83B4-0241985209E9}" type="datetimeFigureOut">
+            <a:fld id="{2D325AC5-7CD0-475F-A950-079C34EE24B6}" type="datetimeFigureOut">
               <a:rPr lang="zh-CN" altLang="en-US" smtClean="0"/>
               <a:t>2024/3/10</a:t>
             </a:fld>
@@ -671,7 +671,7 @@
           <p:cNvPr id="5" name="页脚占位符 4">
             <a:extLst>
               <a:ext uri="{FF2B5EF4-FFF2-40B4-BE49-F238E27FC236}">
-                <a16:creationId xmlns:a16="http://schemas.microsoft.com/office/drawing/2014/main" id="{BD59D3BD-AF41-ECFC-0D7B-5D525D138D81}"/>
+                <a16:creationId xmlns:a16="http://schemas.microsoft.com/office/drawing/2014/main" id="{C5BC593E-6364-73E3-19F5-09AC274CCBFD}"/>
               </a:ext>
             </a:extLst>
           </p:cNvPr>
@@ -696,7 +696,7 @@
           <p:cNvPr id="6" name="灯片编号占位符 5">
             <a:extLst>
               <a:ext uri="{FF2B5EF4-FFF2-40B4-BE49-F238E27FC236}">
-                <a16:creationId xmlns:a16="http://schemas.microsoft.com/office/drawing/2014/main" id="{21165965-782F-9C4C-6CD6-97D5FA22D77F}"/>
+                <a16:creationId xmlns:a16="http://schemas.microsoft.com/office/drawing/2014/main" id="{6A4A12C5-0299-5EE3-DF7C-EB990C6C9D3B}"/>
               </a:ext>
             </a:extLst>
           </p:cNvPr>
@@ -712,7 +712,7 @@
           <a:bodyPr/>
           <a:lstStyle/>
           <a:p>
-            <a:fld id="{0BE0DD3F-8FD2-47D9-8A24-E84F1F2DC940}" type="slidenum">
+            <a:fld id="{28D6C77A-7846-477B-B2E0-32ADD9DF8374}" type="slidenum">
               <a:rPr lang="zh-CN" altLang="en-US" smtClean="0"/>
               <a:t>‹#›</a:t>
             </a:fld>
@@ -723,7 +723,7 @@
     </p:spTree>
     <p:extLst>
       <p:ext uri="{BB962C8B-B14F-4D97-AF65-F5344CB8AC3E}">
-        <p14:creationId xmlns:p14="http://schemas.microsoft.com/office/powerpoint/2010/main" val="1188212068"/>
+        <p14:creationId xmlns:p14="http://schemas.microsoft.com/office/powerpoint/2010/main" val="2971456610"/>
       </p:ext>
     </p:extLst>
   </p:cSld>
@@ -755,7 +755,7 @@
           <p:cNvPr id="2" name="标题 1">
             <a:extLst>
               <a:ext uri="{FF2B5EF4-FFF2-40B4-BE49-F238E27FC236}">
-                <a16:creationId xmlns:a16="http://schemas.microsoft.com/office/drawing/2014/main" id="{FAD0B6ED-42A4-A4A1-2485-27C739329093}"/>
+                <a16:creationId xmlns:a16="http://schemas.microsoft.com/office/drawing/2014/main" id="{E505106E-04A3-3EE4-8E0D-C5A087430F57}"/>
               </a:ext>
             </a:extLst>
           </p:cNvPr>
@@ -783,7 +783,7 @@
           <p:cNvPr id="3" name="内容占位符 2">
             <a:extLst>
               <a:ext uri="{FF2B5EF4-FFF2-40B4-BE49-F238E27FC236}">
-                <a16:creationId xmlns:a16="http://schemas.microsoft.com/office/drawing/2014/main" id="{661E4ECB-B41A-73E7-F1E8-CBDF1ACEB4BC}"/>
+                <a16:creationId xmlns:a16="http://schemas.microsoft.com/office/drawing/2014/main" id="{53BE38A5-09F1-D771-7EED-BA938B423660}"/>
               </a:ext>
             </a:extLst>
           </p:cNvPr>
@@ -840,7 +840,7 @@
           <p:cNvPr id="4" name="日期占位符 3">
             <a:extLst>
               <a:ext uri="{FF2B5EF4-FFF2-40B4-BE49-F238E27FC236}">
-                <a16:creationId xmlns:a16="http://schemas.microsoft.com/office/drawing/2014/main" id="{E39F3CE9-7C48-E63E-CCBB-E8DBE85C121D}"/>
+                <a16:creationId xmlns:a16="http://schemas.microsoft.com/office/drawing/2014/main" id="{A1F8E74D-4866-AA66-BDA3-5CA16477A0F4}"/>
               </a:ext>
             </a:extLst>
           </p:cNvPr>
@@ -856,7 +856,7 @@
           <a:bodyPr/>
           <a:lstStyle/>
           <a:p>
-            <a:fld id="{35FD4D66-76EA-4F0A-83B4-0241985209E9}" type="datetimeFigureOut">
+            <a:fld id="{2D325AC5-7CD0-475F-A950-079C34EE24B6}" type="datetimeFigureOut">
               <a:rPr lang="zh-CN" altLang="en-US" smtClean="0"/>
               <a:t>2024/3/10</a:t>
             </a:fld>
@@ -869,7 +869,7 @@
           <p:cNvPr id="5" name="页脚占位符 4">
             <a:extLst>
               <a:ext uri="{FF2B5EF4-FFF2-40B4-BE49-F238E27FC236}">
-                <a16:creationId xmlns:a16="http://schemas.microsoft.com/office/drawing/2014/main" id="{21158BFD-20F8-3027-601F-DD5A8F1E83E6}"/>
+                <a16:creationId xmlns:a16="http://schemas.microsoft.com/office/drawing/2014/main" id="{A24DE321-4368-E19D-5C1A-00B81B651226}"/>
               </a:ext>
             </a:extLst>
           </p:cNvPr>
@@ -894,7 +894,7 @@
           <p:cNvPr id="6" name="灯片编号占位符 5">
             <a:extLst>
               <a:ext uri="{FF2B5EF4-FFF2-40B4-BE49-F238E27FC236}">
-                <a16:creationId xmlns:a16="http://schemas.microsoft.com/office/drawing/2014/main" id="{8B4DD729-6625-EB72-31A7-15F11EF4EC77}"/>
+                <a16:creationId xmlns:a16="http://schemas.microsoft.com/office/drawing/2014/main" id="{42F90D08-8DBD-5E42-C7AB-4D6CEE0C0D5B}"/>
               </a:ext>
             </a:extLst>
           </p:cNvPr>
@@ -910,7 +910,7 @@
           <a:bodyPr/>
           <a:lstStyle/>
           <a:p>
-            <a:fld id="{0BE0DD3F-8FD2-47D9-8A24-E84F1F2DC940}" type="slidenum">
+            <a:fld id="{28D6C77A-7846-477B-B2E0-32ADD9DF8374}" type="slidenum">
               <a:rPr lang="zh-CN" altLang="en-US" smtClean="0"/>
               <a:t>‹#›</a:t>
             </a:fld>
@@ -921,7 +921,7 @@
     </p:spTree>
     <p:extLst>
       <p:ext uri="{BB962C8B-B14F-4D97-AF65-F5344CB8AC3E}">
-        <p14:creationId xmlns:p14="http://schemas.microsoft.com/office/powerpoint/2010/main" val="2945857591"/>
+        <p14:creationId xmlns:p14="http://schemas.microsoft.com/office/powerpoint/2010/main" val="3693879369"/>
       </p:ext>
     </p:extLst>
   </p:cSld>
@@ -953,7 +953,7 @@
           <p:cNvPr id="2" name="标题 1">
             <a:extLst>
               <a:ext uri="{FF2B5EF4-FFF2-40B4-BE49-F238E27FC236}">
-                <a16:creationId xmlns:a16="http://schemas.microsoft.com/office/drawing/2014/main" id="{72EEEB63-4A9D-2492-5132-FD5363F1AC2A}"/>
+                <a16:creationId xmlns:a16="http://schemas.microsoft.com/office/drawing/2014/main" id="{A86AF744-5898-FA04-7D6C-70BD6152D7BE}"/>
               </a:ext>
             </a:extLst>
           </p:cNvPr>
@@ -990,7 +990,7 @@
           <p:cNvPr id="3" name="文本占位符 2">
             <a:extLst>
               <a:ext uri="{FF2B5EF4-FFF2-40B4-BE49-F238E27FC236}">
-                <a16:creationId xmlns:a16="http://schemas.microsoft.com/office/drawing/2014/main" id="{06343C33-90EA-3501-DEC6-5CE37402B4A2}"/>
+                <a16:creationId xmlns:a16="http://schemas.microsoft.com/office/drawing/2014/main" id="{B70A5669-5BBC-BAD9-B002-E8FA7CE7E828}"/>
               </a:ext>
             </a:extLst>
           </p:cNvPr>
@@ -1115,7 +1115,7 @@
           <p:cNvPr id="4" name="日期占位符 3">
             <a:extLst>
               <a:ext uri="{FF2B5EF4-FFF2-40B4-BE49-F238E27FC236}">
-                <a16:creationId xmlns:a16="http://schemas.microsoft.com/office/drawing/2014/main" id="{BF61B022-C8E8-8CA7-D8B7-E330DB415193}"/>
+                <a16:creationId xmlns:a16="http://schemas.microsoft.com/office/drawing/2014/main" id="{4367ADC9-37FC-BA6B-A7FD-2598ECE97FF6}"/>
               </a:ext>
             </a:extLst>
           </p:cNvPr>
@@ -1131,7 +1131,7 @@
           <a:bodyPr/>
           <a:lstStyle/>
           <a:p>
-            <a:fld id="{35FD4D66-76EA-4F0A-83B4-0241985209E9}" type="datetimeFigureOut">
+            <a:fld id="{2D325AC5-7CD0-475F-A950-079C34EE24B6}" type="datetimeFigureOut">
               <a:rPr lang="zh-CN" altLang="en-US" smtClean="0"/>
               <a:t>2024/3/10</a:t>
             </a:fld>
@@ -1144,7 +1144,7 @@
           <p:cNvPr id="5" name="页脚占位符 4">
             <a:extLst>
               <a:ext uri="{FF2B5EF4-FFF2-40B4-BE49-F238E27FC236}">
-                <a16:creationId xmlns:a16="http://schemas.microsoft.com/office/drawing/2014/main" id="{364075CA-BAFF-2123-F0AE-95DFB2721327}"/>
+                <a16:creationId xmlns:a16="http://schemas.microsoft.com/office/drawing/2014/main" id="{0FEF3176-0F41-F4B1-8096-658DCC71CD9A}"/>
               </a:ext>
             </a:extLst>
           </p:cNvPr>
@@ -1169,7 +1169,7 @@
           <p:cNvPr id="6" name="灯片编号占位符 5">
             <a:extLst>
               <a:ext uri="{FF2B5EF4-FFF2-40B4-BE49-F238E27FC236}">
-                <a16:creationId xmlns:a16="http://schemas.microsoft.com/office/drawing/2014/main" id="{5BC74159-0E61-E49F-238A-2C274CBE86E5}"/>
+                <a16:creationId xmlns:a16="http://schemas.microsoft.com/office/drawing/2014/main" id="{F1CD1ACE-423A-8796-2D09-AD88648B2C78}"/>
               </a:ext>
             </a:extLst>
           </p:cNvPr>
@@ -1185,7 +1185,7 @@
           <a:bodyPr/>
           <a:lstStyle/>
           <a:p>
-            <a:fld id="{0BE0DD3F-8FD2-47D9-8A24-E84F1F2DC940}" type="slidenum">
+            <a:fld id="{28D6C77A-7846-477B-B2E0-32ADD9DF8374}" type="slidenum">
               <a:rPr lang="zh-CN" altLang="en-US" smtClean="0"/>
               <a:t>‹#›</a:t>
             </a:fld>
@@ -1196,7 +1196,7 @@
     </p:spTree>
     <p:extLst>
       <p:ext uri="{BB962C8B-B14F-4D97-AF65-F5344CB8AC3E}">
-        <p14:creationId xmlns:p14="http://schemas.microsoft.com/office/powerpoint/2010/main" val="220703360"/>
+        <p14:creationId xmlns:p14="http://schemas.microsoft.com/office/powerpoint/2010/main" val="3412778360"/>
       </p:ext>
     </p:extLst>
   </p:cSld>
@@ -1228,7 +1228,7 @@
           <p:cNvPr id="2" name="标题 1">
             <a:extLst>
               <a:ext uri="{FF2B5EF4-FFF2-40B4-BE49-F238E27FC236}">
-                <a16:creationId xmlns:a16="http://schemas.microsoft.com/office/drawing/2014/main" id="{78926F42-22F6-1201-0331-F56A336B14D3}"/>
+                <a16:creationId xmlns:a16="http://schemas.microsoft.com/office/drawing/2014/main" id="{D2285903-F71C-FE8B-6232-6D6A1BEABCDB}"/>
               </a:ext>
             </a:extLst>
           </p:cNvPr>
@@ -1256,7 +1256,7 @@
           <p:cNvPr id="3" name="内容占位符 2">
             <a:extLst>
               <a:ext uri="{FF2B5EF4-FFF2-40B4-BE49-F238E27FC236}">
-                <a16:creationId xmlns:a16="http://schemas.microsoft.com/office/drawing/2014/main" id="{169E5C96-5C09-F377-5F6B-404A0EDC3131}"/>
+                <a16:creationId xmlns:a16="http://schemas.microsoft.com/office/drawing/2014/main" id="{F6F963A3-D8D2-AFA9-B455-1382EE30E1AB}"/>
               </a:ext>
             </a:extLst>
           </p:cNvPr>
@@ -1318,7 +1318,7 @@
           <p:cNvPr id="4" name="内容占位符 3">
             <a:extLst>
               <a:ext uri="{FF2B5EF4-FFF2-40B4-BE49-F238E27FC236}">
-                <a16:creationId xmlns:a16="http://schemas.microsoft.com/office/drawing/2014/main" id="{15BBB1B4-421E-2FA8-31DC-3C85BCF5D367}"/>
+                <a16:creationId xmlns:a16="http://schemas.microsoft.com/office/drawing/2014/main" id="{226A99CE-C502-F250-BF81-549AF2BCB6DE}"/>
               </a:ext>
             </a:extLst>
           </p:cNvPr>
@@ -1380,7 +1380,7 @@
           <p:cNvPr id="5" name="日期占位符 4">
             <a:extLst>
               <a:ext uri="{FF2B5EF4-FFF2-40B4-BE49-F238E27FC236}">
-                <a16:creationId xmlns:a16="http://schemas.microsoft.com/office/drawing/2014/main" id="{F15120ED-3B06-585D-636D-0B0B5B96BA10}"/>
+                <a16:creationId xmlns:a16="http://schemas.microsoft.com/office/drawing/2014/main" id="{BB408D8B-3DD6-DD28-F0C2-D8EEE3BFB538}"/>
               </a:ext>
             </a:extLst>
           </p:cNvPr>
@@ -1396,7 +1396,7 @@
           <a:bodyPr/>
           <a:lstStyle/>
           <a:p>
-            <a:fld id="{35FD4D66-76EA-4F0A-83B4-0241985209E9}" type="datetimeFigureOut">
+            <a:fld id="{2D325AC5-7CD0-475F-A950-079C34EE24B6}" type="datetimeFigureOut">
               <a:rPr lang="zh-CN" altLang="en-US" smtClean="0"/>
               <a:t>2024/3/10</a:t>
             </a:fld>
@@ -1409,7 +1409,7 @@
           <p:cNvPr id="6" name="页脚占位符 5">
             <a:extLst>
               <a:ext uri="{FF2B5EF4-FFF2-40B4-BE49-F238E27FC236}">
-                <a16:creationId xmlns:a16="http://schemas.microsoft.com/office/drawing/2014/main" id="{CA0FE580-D109-604A-66D0-A81F03C136B8}"/>
+                <a16:creationId xmlns:a16="http://schemas.microsoft.com/office/drawing/2014/main" id="{303D30FD-3EF8-AB63-C000-E87DC1987209}"/>
               </a:ext>
             </a:extLst>
           </p:cNvPr>
@@ -1434,7 +1434,7 @@
           <p:cNvPr id="7" name="灯片编号占位符 6">
             <a:extLst>
               <a:ext uri="{FF2B5EF4-FFF2-40B4-BE49-F238E27FC236}">
-                <a16:creationId xmlns:a16="http://schemas.microsoft.com/office/drawing/2014/main" id="{001F2257-DFC3-CD47-172C-DFD1A460D3AB}"/>
+                <a16:creationId xmlns:a16="http://schemas.microsoft.com/office/drawing/2014/main" id="{E4804925-9CA8-D865-4D6C-472DB7856EFA}"/>
               </a:ext>
             </a:extLst>
           </p:cNvPr>
@@ -1450,7 +1450,7 @@
           <a:bodyPr/>
           <a:lstStyle/>
           <a:p>
-            <a:fld id="{0BE0DD3F-8FD2-47D9-8A24-E84F1F2DC940}" type="slidenum">
+            <a:fld id="{28D6C77A-7846-477B-B2E0-32ADD9DF8374}" type="slidenum">
               <a:rPr lang="zh-CN" altLang="en-US" smtClean="0"/>
               <a:t>‹#›</a:t>
             </a:fld>
@@ -1461,7 +1461,7 @@
     </p:spTree>
     <p:extLst>
       <p:ext uri="{BB962C8B-B14F-4D97-AF65-F5344CB8AC3E}">
-        <p14:creationId xmlns:p14="http://schemas.microsoft.com/office/powerpoint/2010/main" val="242642483"/>
+        <p14:creationId xmlns:p14="http://schemas.microsoft.com/office/powerpoint/2010/main" val="925253601"/>
       </p:ext>
     </p:extLst>
   </p:cSld>
@@ -1493,7 +1493,7 @@
           <p:cNvPr id="2" name="标题 1">
             <a:extLst>
               <a:ext uri="{FF2B5EF4-FFF2-40B4-BE49-F238E27FC236}">
-                <a16:creationId xmlns:a16="http://schemas.microsoft.com/office/drawing/2014/main" id="{F3C46935-3C62-5349-C32C-DDE89D35E575}"/>
+                <a16:creationId xmlns:a16="http://schemas.microsoft.com/office/drawing/2014/main" id="{15772FE2-6649-02CC-94D0-6E2504D264C2}"/>
               </a:ext>
             </a:extLst>
           </p:cNvPr>
@@ -1526,7 +1526,7 @@
           <p:cNvPr id="3" name="文本占位符 2">
             <a:extLst>
               <a:ext uri="{FF2B5EF4-FFF2-40B4-BE49-F238E27FC236}">
-                <a16:creationId xmlns:a16="http://schemas.microsoft.com/office/drawing/2014/main" id="{EF93E42B-337A-3937-A5C5-1808A78FA3BF}"/>
+                <a16:creationId xmlns:a16="http://schemas.microsoft.com/office/drawing/2014/main" id="{79DCA824-9577-FCAE-D824-52B6FF3AA83A}"/>
               </a:ext>
             </a:extLst>
           </p:cNvPr>
@@ -1597,7 +1597,7 @@
           <p:cNvPr id="4" name="内容占位符 3">
             <a:extLst>
               <a:ext uri="{FF2B5EF4-FFF2-40B4-BE49-F238E27FC236}">
-                <a16:creationId xmlns:a16="http://schemas.microsoft.com/office/drawing/2014/main" id="{65745D7E-536D-BAC8-7424-06A9707D426C}"/>
+                <a16:creationId xmlns:a16="http://schemas.microsoft.com/office/drawing/2014/main" id="{DBCFFC2C-1684-D0D5-9CC6-25400C756359}"/>
               </a:ext>
             </a:extLst>
           </p:cNvPr>
@@ -1659,7 +1659,7 @@
           <p:cNvPr id="5" name="文本占位符 4">
             <a:extLst>
               <a:ext uri="{FF2B5EF4-FFF2-40B4-BE49-F238E27FC236}">
-                <a16:creationId xmlns:a16="http://schemas.microsoft.com/office/drawing/2014/main" id="{747BB73A-EE35-2AF8-6BD4-E2C2827AD899}"/>
+                <a16:creationId xmlns:a16="http://schemas.microsoft.com/office/drawing/2014/main" id="{855313D2-1F6C-B22B-E022-00FA5DBBA1B4}"/>
               </a:ext>
             </a:extLst>
           </p:cNvPr>
@@ -1730,7 +1730,7 @@
           <p:cNvPr id="6" name="内容占位符 5">
             <a:extLst>
               <a:ext uri="{FF2B5EF4-FFF2-40B4-BE49-F238E27FC236}">
-                <a16:creationId xmlns:a16="http://schemas.microsoft.com/office/drawing/2014/main" id="{80673726-FF1B-AB9B-2D72-612BAFC28029}"/>
+                <a16:creationId xmlns:a16="http://schemas.microsoft.com/office/drawing/2014/main" id="{63A8A2B8-91B0-6CC7-689A-7963ED4D5C24}"/>
               </a:ext>
             </a:extLst>
           </p:cNvPr>
@@ -1792,7 +1792,7 @@
           <p:cNvPr id="7" name="日期占位符 6">
             <a:extLst>
               <a:ext uri="{FF2B5EF4-FFF2-40B4-BE49-F238E27FC236}">
-                <a16:creationId xmlns:a16="http://schemas.microsoft.com/office/drawing/2014/main" id="{689A78EA-4C8E-4987-CB6B-2A4C4D24DA91}"/>
+                <a16:creationId xmlns:a16="http://schemas.microsoft.com/office/drawing/2014/main" id="{1709D9E2-95A7-E040-7CFF-7A3A74640572}"/>
               </a:ext>
             </a:extLst>
           </p:cNvPr>
@@ -1808,7 +1808,7 @@
           <a:bodyPr/>
           <a:lstStyle/>
           <a:p>
-            <a:fld id="{35FD4D66-76EA-4F0A-83B4-0241985209E9}" type="datetimeFigureOut">
+            <a:fld id="{2D325AC5-7CD0-475F-A950-079C34EE24B6}" type="datetimeFigureOut">
               <a:rPr lang="zh-CN" altLang="en-US" smtClean="0"/>
               <a:t>2024/3/10</a:t>
             </a:fld>
@@ -1821,7 +1821,7 @@
           <p:cNvPr id="8" name="页脚占位符 7">
             <a:extLst>
               <a:ext uri="{FF2B5EF4-FFF2-40B4-BE49-F238E27FC236}">
-                <a16:creationId xmlns:a16="http://schemas.microsoft.com/office/drawing/2014/main" id="{4D27CD22-7C6A-5155-8BB0-859EC4852EAD}"/>
+                <a16:creationId xmlns:a16="http://schemas.microsoft.com/office/drawing/2014/main" id="{88050347-B3F5-021A-32F0-EFBBAE9417DF}"/>
               </a:ext>
             </a:extLst>
           </p:cNvPr>
@@ -1846,7 +1846,7 @@
           <p:cNvPr id="9" name="灯片编号占位符 8">
             <a:extLst>
               <a:ext uri="{FF2B5EF4-FFF2-40B4-BE49-F238E27FC236}">
-                <a16:creationId xmlns:a16="http://schemas.microsoft.com/office/drawing/2014/main" id="{A0D4C8ED-6F00-7B25-D2AA-64621E971274}"/>
+                <a16:creationId xmlns:a16="http://schemas.microsoft.com/office/drawing/2014/main" id="{6556B1E2-4366-6C19-0478-3301E5B58659}"/>
               </a:ext>
             </a:extLst>
           </p:cNvPr>
@@ -1862,7 +1862,7 @@
           <a:bodyPr/>
           <a:lstStyle/>
           <a:p>
-            <a:fld id="{0BE0DD3F-8FD2-47D9-8A24-E84F1F2DC940}" type="slidenum">
+            <a:fld id="{28D6C77A-7846-477B-B2E0-32ADD9DF8374}" type="slidenum">
               <a:rPr lang="zh-CN" altLang="en-US" smtClean="0"/>
               <a:t>‹#›</a:t>
             </a:fld>
@@ -1873,7 +1873,7 @@
     </p:spTree>
     <p:extLst>
       <p:ext uri="{BB962C8B-B14F-4D97-AF65-F5344CB8AC3E}">
-        <p14:creationId xmlns:p14="http://schemas.microsoft.com/office/powerpoint/2010/main" val="3949343507"/>
+        <p14:creationId xmlns:p14="http://schemas.microsoft.com/office/powerpoint/2010/main" val="2446226147"/>
       </p:ext>
     </p:extLst>
   </p:cSld>
@@ -1905,7 +1905,7 @@
           <p:cNvPr id="2" name="标题 1">
             <a:extLst>
               <a:ext uri="{FF2B5EF4-FFF2-40B4-BE49-F238E27FC236}">
-                <a16:creationId xmlns:a16="http://schemas.microsoft.com/office/drawing/2014/main" id="{2C446D40-3838-11A0-B97B-4B21F1830883}"/>
+                <a16:creationId xmlns:a16="http://schemas.microsoft.com/office/drawing/2014/main" id="{E565F08C-96EC-CFD1-82C9-8B6067F7BE24}"/>
               </a:ext>
             </a:extLst>
           </p:cNvPr>
@@ -1933,7 +1933,7 @@
           <p:cNvPr id="3" name="日期占位符 2">
             <a:extLst>
               <a:ext uri="{FF2B5EF4-FFF2-40B4-BE49-F238E27FC236}">
-                <a16:creationId xmlns:a16="http://schemas.microsoft.com/office/drawing/2014/main" id="{8A903902-C54E-79B9-CC4A-F81FC42BA5B6}"/>
+                <a16:creationId xmlns:a16="http://schemas.microsoft.com/office/drawing/2014/main" id="{C816F7B8-7FCA-DE6C-472D-C0079F8DD1B1}"/>
               </a:ext>
             </a:extLst>
           </p:cNvPr>
@@ -1949,7 +1949,7 @@
           <a:bodyPr/>
           <a:lstStyle/>
           <a:p>
-            <a:fld id="{35FD4D66-76EA-4F0A-83B4-0241985209E9}" type="datetimeFigureOut">
+            <a:fld id="{2D325AC5-7CD0-475F-A950-079C34EE24B6}" type="datetimeFigureOut">
               <a:rPr lang="zh-CN" altLang="en-US" smtClean="0"/>
               <a:t>2024/3/10</a:t>
             </a:fld>
@@ -1962,7 +1962,7 @@
           <p:cNvPr id="4" name="页脚占位符 3">
             <a:extLst>
               <a:ext uri="{FF2B5EF4-FFF2-40B4-BE49-F238E27FC236}">
-                <a16:creationId xmlns:a16="http://schemas.microsoft.com/office/drawing/2014/main" id="{06A071FE-D0D2-D8E5-FCDC-2788EC2C9446}"/>
+                <a16:creationId xmlns:a16="http://schemas.microsoft.com/office/drawing/2014/main" id="{8F9748B1-949D-7201-6887-8EF01C204F07}"/>
               </a:ext>
             </a:extLst>
           </p:cNvPr>
@@ -1987,7 +1987,7 @@
           <p:cNvPr id="5" name="灯片编号占位符 4">
             <a:extLst>
               <a:ext uri="{FF2B5EF4-FFF2-40B4-BE49-F238E27FC236}">
-                <a16:creationId xmlns:a16="http://schemas.microsoft.com/office/drawing/2014/main" id="{ECE88FE6-6CB2-4E6C-680F-71F51226ABED}"/>
+                <a16:creationId xmlns:a16="http://schemas.microsoft.com/office/drawing/2014/main" id="{71C0D830-1C17-6DD7-77D8-E06E57422E06}"/>
               </a:ext>
             </a:extLst>
           </p:cNvPr>
@@ -2003,7 +2003,7 @@
           <a:bodyPr/>
           <a:lstStyle/>
           <a:p>
-            <a:fld id="{0BE0DD3F-8FD2-47D9-8A24-E84F1F2DC940}" type="slidenum">
+            <a:fld id="{28D6C77A-7846-477B-B2E0-32ADD9DF8374}" type="slidenum">
               <a:rPr lang="zh-CN" altLang="en-US" smtClean="0"/>
               <a:t>‹#›</a:t>
             </a:fld>
@@ -2014,7 +2014,7 @@
     </p:spTree>
     <p:extLst>
       <p:ext uri="{BB962C8B-B14F-4D97-AF65-F5344CB8AC3E}">
-        <p14:creationId xmlns:p14="http://schemas.microsoft.com/office/powerpoint/2010/main" val="2236486571"/>
+        <p14:creationId xmlns:p14="http://schemas.microsoft.com/office/powerpoint/2010/main" val="406716978"/>
       </p:ext>
     </p:extLst>
   </p:cSld>
@@ -2046,7 +2046,7 @@
           <p:cNvPr id="2" name="日期占位符 1">
             <a:extLst>
               <a:ext uri="{FF2B5EF4-FFF2-40B4-BE49-F238E27FC236}">
-                <a16:creationId xmlns:a16="http://schemas.microsoft.com/office/drawing/2014/main" id="{3448C0F9-740D-B535-A312-79914AF5354E}"/>
+                <a16:creationId xmlns:a16="http://schemas.microsoft.com/office/drawing/2014/main" id="{574F6D37-F6E1-BD9C-97D4-B9C84D50E49B}"/>
               </a:ext>
             </a:extLst>
           </p:cNvPr>
@@ -2062,7 +2062,7 @@
           <a:bodyPr/>
           <a:lstStyle/>
           <a:p>
-            <a:fld id="{35FD4D66-76EA-4F0A-83B4-0241985209E9}" type="datetimeFigureOut">
+            <a:fld id="{2D325AC5-7CD0-475F-A950-079C34EE24B6}" type="datetimeFigureOut">
               <a:rPr lang="zh-CN" altLang="en-US" smtClean="0"/>
               <a:t>2024/3/10</a:t>
             </a:fld>
@@ -2075,7 +2075,7 @@
           <p:cNvPr id="3" name="页脚占位符 2">
             <a:extLst>
               <a:ext uri="{FF2B5EF4-FFF2-40B4-BE49-F238E27FC236}">
-                <a16:creationId xmlns:a16="http://schemas.microsoft.com/office/drawing/2014/main" id="{F7AEF937-AC82-AC81-DFB2-09C81C4121F3}"/>
+                <a16:creationId xmlns:a16="http://schemas.microsoft.com/office/drawing/2014/main" id="{682D6D43-0BBB-86DE-51F1-4408DCD6597E}"/>
               </a:ext>
             </a:extLst>
           </p:cNvPr>
@@ -2100,7 +2100,7 @@
           <p:cNvPr id="4" name="灯片编号占位符 3">
             <a:extLst>
               <a:ext uri="{FF2B5EF4-FFF2-40B4-BE49-F238E27FC236}">
-                <a16:creationId xmlns:a16="http://schemas.microsoft.com/office/drawing/2014/main" id="{DB046F8E-D60E-6B51-76FD-9796507B16EF}"/>
+                <a16:creationId xmlns:a16="http://schemas.microsoft.com/office/drawing/2014/main" id="{E4A01933-9AA9-AF83-3E79-B3D9D44B4380}"/>
               </a:ext>
             </a:extLst>
           </p:cNvPr>
@@ -2116,7 +2116,7 @@
           <a:bodyPr/>
           <a:lstStyle/>
           <a:p>
-            <a:fld id="{0BE0DD3F-8FD2-47D9-8A24-E84F1F2DC940}" type="slidenum">
+            <a:fld id="{28D6C77A-7846-477B-B2E0-32ADD9DF8374}" type="slidenum">
               <a:rPr lang="zh-CN" altLang="en-US" smtClean="0"/>
               <a:t>‹#›</a:t>
             </a:fld>
@@ -2127,7 +2127,7 @@
     </p:spTree>
     <p:extLst>
       <p:ext uri="{BB962C8B-B14F-4D97-AF65-F5344CB8AC3E}">
-        <p14:creationId xmlns:p14="http://schemas.microsoft.com/office/powerpoint/2010/main" val="1992583944"/>
+        <p14:creationId xmlns:p14="http://schemas.microsoft.com/office/powerpoint/2010/main" val="2998404778"/>
       </p:ext>
     </p:extLst>
   </p:cSld>
@@ -2159,7 +2159,7 @@
           <p:cNvPr id="2" name="标题 1">
             <a:extLst>
               <a:ext uri="{FF2B5EF4-FFF2-40B4-BE49-F238E27FC236}">
-                <a16:creationId xmlns:a16="http://schemas.microsoft.com/office/drawing/2014/main" id="{D3954ACE-98FB-47D4-F5FF-3DDCB0E551A0}"/>
+                <a16:creationId xmlns:a16="http://schemas.microsoft.com/office/drawing/2014/main" id="{9F37C5B5-A9F7-722D-380D-ACC3FEE74176}"/>
               </a:ext>
             </a:extLst>
           </p:cNvPr>
@@ -2196,7 +2196,7 @@
           <p:cNvPr id="3" name="内容占位符 2">
             <a:extLst>
               <a:ext uri="{FF2B5EF4-FFF2-40B4-BE49-F238E27FC236}">
-                <a16:creationId xmlns:a16="http://schemas.microsoft.com/office/drawing/2014/main" id="{EF12CE48-9C0B-6E24-412F-D902D2DC97B4}"/>
+                <a16:creationId xmlns:a16="http://schemas.microsoft.com/office/drawing/2014/main" id="{2B2D7C81-FC98-DF74-3294-5B501C0B9B68}"/>
               </a:ext>
             </a:extLst>
           </p:cNvPr>
@@ -2286,7 +2286,7 @@
           <p:cNvPr id="4" name="文本占位符 3">
             <a:extLst>
               <a:ext uri="{FF2B5EF4-FFF2-40B4-BE49-F238E27FC236}">
-                <a16:creationId xmlns:a16="http://schemas.microsoft.com/office/drawing/2014/main" id="{BAE15322-3328-EBF2-C5AA-3604DC00650C}"/>
+                <a16:creationId xmlns:a16="http://schemas.microsoft.com/office/drawing/2014/main" id="{A1FEA091-7E3B-82A3-AF87-C026FF5E59DE}"/>
               </a:ext>
             </a:extLst>
           </p:cNvPr>
@@ -2357,7 +2357,7 @@
           <p:cNvPr id="5" name="日期占位符 4">
             <a:extLst>
               <a:ext uri="{FF2B5EF4-FFF2-40B4-BE49-F238E27FC236}">
-                <a16:creationId xmlns:a16="http://schemas.microsoft.com/office/drawing/2014/main" id="{61939D72-C636-B66D-1C75-883981AE86F2}"/>
+                <a16:creationId xmlns:a16="http://schemas.microsoft.com/office/drawing/2014/main" id="{7FE99362-9457-BC69-92DD-82D94595EA64}"/>
               </a:ext>
             </a:extLst>
           </p:cNvPr>
@@ -2373,7 +2373,7 @@
           <a:bodyPr/>
           <a:lstStyle/>
           <a:p>
-            <a:fld id="{35FD4D66-76EA-4F0A-83B4-0241985209E9}" type="datetimeFigureOut">
+            <a:fld id="{2D325AC5-7CD0-475F-A950-079C34EE24B6}" type="datetimeFigureOut">
               <a:rPr lang="zh-CN" altLang="en-US" smtClean="0"/>
               <a:t>2024/3/10</a:t>
             </a:fld>
@@ -2386,7 +2386,7 @@
           <p:cNvPr id="6" name="页脚占位符 5">
             <a:extLst>
               <a:ext uri="{FF2B5EF4-FFF2-40B4-BE49-F238E27FC236}">
-                <a16:creationId xmlns:a16="http://schemas.microsoft.com/office/drawing/2014/main" id="{3FCECF5C-E1BF-CE1D-E16D-17332852FF23}"/>
+                <a16:creationId xmlns:a16="http://schemas.microsoft.com/office/drawing/2014/main" id="{17FF77AD-4622-DDA9-4A73-0A3DA9688222}"/>
               </a:ext>
             </a:extLst>
           </p:cNvPr>
@@ -2411,7 +2411,7 @@
           <p:cNvPr id="7" name="灯片编号占位符 6">
             <a:extLst>
               <a:ext uri="{FF2B5EF4-FFF2-40B4-BE49-F238E27FC236}">
-                <a16:creationId xmlns:a16="http://schemas.microsoft.com/office/drawing/2014/main" id="{8E915E30-4905-7F13-8588-85746976316B}"/>
+                <a16:creationId xmlns:a16="http://schemas.microsoft.com/office/drawing/2014/main" id="{799F5C5E-5018-45A0-8898-AAF4D6DE3A02}"/>
               </a:ext>
             </a:extLst>
           </p:cNvPr>
@@ -2427,7 +2427,7 @@
           <a:bodyPr/>
           <a:lstStyle/>
           <a:p>
-            <a:fld id="{0BE0DD3F-8FD2-47D9-8A24-E84F1F2DC940}" type="slidenum">
+            <a:fld id="{28D6C77A-7846-477B-B2E0-32ADD9DF8374}" type="slidenum">
               <a:rPr lang="zh-CN" altLang="en-US" smtClean="0"/>
               <a:t>‹#›</a:t>
             </a:fld>
@@ -2438,7 +2438,7 @@
     </p:spTree>
     <p:extLst>
       <p:ext uri="{BB962C8B-B14F-4D97-AF65-F5344CB8AC3E}">
-        <p14:creationId xmlns:p14="http://schemas.microsoft.com/office/powerpoint/2010/main" val="1871852863"/>
+        <p14:creationId xmlns:p14="http://schemas.microsoft.com/office/powerpoint/2010/main" val="549651175"/>
       </p:ext>
     </p:extLst>
   </p:cSld>
@@ -2470,7 +2470,7 @@
           <p:cNvPr id="2" name="标题 1">
             <a:extLst>
               <a:ext uri="{FF2B5EF4-FFF2-40B4-BE49-F238E27FC236}">
-                <a16:creationId xmlns:a16="http://schemas.microsoft.com/office/drawing/2014/main" id="{EAE60B1C-21E8-6F9A-8179-435D37A23913}"/>
+                <a16:creationId xmlns:a16="http://schemas.microsoft.com/office/drawing/2014/main" id="{733194FF-00B1-3C87-BD36-C0FF2DA8CA90}"/>
               </a:ext>
             </a:extLst>
           </p:cNvPr>
@@ -2507,7 +2507,7 @@
           <p:cNvPr id="3" name="图片占位符 2">
             <a:extLst>
               <a:ext uri="{FF2B5EF4-FFF2-40B4-BE49-F238E27FC236}">
-                <a16:creationId xmlns:a16="http://schemas.microsoft.com/office/drawing/2014/main" id="{3E1DEFFE-50EC-63EE-5E92-5A19836AFEB4}"/>
+                <a16:creationId xmlns:a16="http://schemas.microsoft.com/office/drawing/2014/main" id="{984EF7F9-9AC6-8D72-22BB-87C7134361DE}"/>
               </a:ext>
             </a:extLst>
           </p:cNvPr>
@@ -2574,7 +2574,7 @@
           <p:cNvPr id="4" name="文本占位符 3">
             <a:extLst>
               <a:ext uri="{FF2B5EF4-FFF2-40B4-BE49-F238E27FC236}">
-                <a16:creationId xmlns:a16="http://schemas.microsoft.com/office/drawing/2014/main" id="{FF0B6ECB-92EF-56AA-ECD3-DA06784AC46E}"/>
+                <a16:creationId xmlns:a16="http://schemas.microsoft.com/office/drawing/2014/main" id="{994922A9-D011-2328-7D28-847247800DD1}"/>
               </a:ext>
             </a:extLst>
           </p:cNvPr>
@@ -2645,7 +2645,7 @@
           <p:cNvPr id="5" name="日期占位符 4">
             <a:extLst>
               <a:ext uri="{FF2B5EF4-FFF2-40B4-BE49-F238E27FC236}">
-                <a16:creationId xmlns:a16="http://schemas.microsoft.com/office/drawing/2014/main" id="{001B78F1-BAB3-8892-4CEF-644FD2354D2E}"/>
+                <a16:creationId xmlns:a16="http://schemas.microsoft.com/office/drawing/2014/main" id="{951E0926-4999-B98A-BE8F-B5667102D951}"/>
               </a:ext>
             </a:extLst>
           </p:cNvPr>
@@ -2661,7 +2661,7 @@
           <a:bodyPr/>
           <a:lstStyle/>
           <a:p>
-            <a:fld id="{35FD4D66-76EA-4F0A-83B4-0241985209E9}" type="datetimeFigureOut">
+            <a:fld id="{2D325AC5-7CD0-475F-A950-079C34EE24B6}" type="datetimeFigureOut">
               <a:rPr lang="zh-CN" altLang="en-US" smtClean="0"/>
               <a:t>2024/3/10</a:t>
             </a:fld>
@@ -2674,7 +2674,7 @@
           <p:cNvPr id="6" name="页脚占位符 5">
             <a:extLst>
               <a:ext uri="{FF2B5EF4-FFF2-40B4-BE49-F238E27FC236}">
-                <a16:creationId xmlns:a16="http://schemas.microsoft.com/office/drawing/2014/main" id="{B9A5CF78-0B16-BAC2-3868-D7A8A170451A}"/>
+                <a16:creationId xmlns:a16="http://schemas.microsoft.com/office/drawing/2014/main" id="{4AA719A8-E764-D265-4D91-131EA3285BA4}"/>
               </a:ext>
             </a:extLst>
           </p:cNvPr>
@@ -2699,7 +2699,7 @@
           <p:cNvPr id="7" name="灯片编号占位符 6">
             <a:extLst>
               <a:ext uri="{FF2B5EF4-FFF2-40B4-BE49-F238E27FC236}">
-                <a16:creationId xmlns:a16="http://schemas.microsoft.com/office/drawing/2014/main" id="{26968A4B-2AC4-9B96-2923-2EA3325D0BD6}"/>
+                <a16:creationId xmlns:a16="http://schemas.microsoft.com/office/drawing/2014/main" id="{BCF2AAF5-E766-6630-A11A-E00D36F8F4D5}"/>
               </a:ext>
             </a:extLst>
           </p:cNvPr>
@@ -2715,7 +2715,7 @@
           <a:bodyPr/>
           <a:lstStyle/>
           <a:p>
-            <a:fld id="{0BE0DD3F-8FD2-47D9-8A24-E84F1F2DC940}" type="slidenum">
+            <a:fld id="{28D6C77A-7846-477B-B2E0-32ADD9DF8374}" type="slidenum">
               <a:rPr lang="zh-CN" altLang="en-US" smtClean="0"/>
               <a:t>‹#›</a:t>
             </a:fld>
@@ -2726,7 +2726,7 @@
     </p:spTree>
     <p:extLst>
       <p:ext uri="{BB962C8B-B14F-4D97-AF65-F5344CB8AC3E}">
-        <p14:creationId xmlns:p14="http://schemas.microsoft.com/office/powerpoint/2010/main" val="1081718275"/>
+        <p14:creationId xmlns:p14="http://schemas.microsoft.com/office/powerpoint/2010/main" val="4099834023"/>
       </p:ext>
     </p:extLst>
   </p:cSld>
@@ -2763,7 +2763,7 @@
           <p:cNvPr id="2" name="标题占位符 1">
             <a:extLst>
               <a:ext uri="{FF2B5EF4-FFF2-40B4-BE49-F238E27FC236}">
-                <a16:creationId xmlns:a16="http://schemas.microsoft.com/office/drawing/2014/main" id="{013DD907-0C75-6528-33D7-626EF7D4A333}"/>
+                <a16:creationId xmlns:a16="http://schemas.microsoft.com/office/drawing/2014/main" id="{B63ED442-C495-4728-8F0C-1D5C71EFA782}"/>
               </a:ext>
             </a:extLst>
           </p:cNvPr>
@@ -2801,7 +2801,7 @@
           <p:cNvPr id="3" name="文本占位符 2">
             <a:extLst>
               <a:ext uri="{FF2B5EF4-FFF2-40B4-BE49-F238E27FC236}">
-                <a16:creationId xmlns:a16="http://schemas.microsoft.com/office/drawing/2014/main" id="{D3369660-0D79-ED04-161E-568F5A132367}"/>
+                <a16:creationId xmlns:a16="http://schemas.microsoft.com/office/drawing/2014/main" id="{E43F4DB1-DCA7-095A-4E73-5D37451F61BB}"/>
               </a:ext>
             </a:extLst>
           </p:cNvPr>
@@ -2868,7 +2868,7 @@
           <p:cNvPr id="4" name="日期占位符 3">
             <a:extLst>
               <a:ext uri="{FF2B5EF4-FFF2-40B4-BE49-F238E27FC236}">
-                <a16:creationId xmlns:a16="http://schemas.microsoft.com/office/drawing/2014/main" id="{0AE7EA93-F895-5929-68FC-0F66EE761092}"/>
+                <a16:creationId xmlns:a16="http://schemas.microsoft.com/office/drawing/2014/main" id="{5A60F29F-C230-F416-238B-4AAA99207444}"/>
               </a:ext>
             </a:extLst>
           </p:cNvPr>
@@ -2902,7 +2902,7 @@
             </a:lvl1pPr>
           </a:lstStyle>
           <a:p>
-            <a:fld id="{35FD4D66-76EA-4F0A-83B4-0241985209E9}" type="datetimeFigureOut">
+            <a:fld id="{2D325AC5-7CD0-475F-A950-079C34EE24B6}" type="datetimeFigureOut">
               <a:rPr lang="zh-CN" altLang="en-US" smtClean="0"/>
               <a:t>2024/3/10</a:t>
             </a:fld>
@@ -2915,7 +2915,7 @@
           <p:cNvPr id="5" name="页脚占位符 4">
             <a:extLst>
               <a:ext uri="{FF2B5EF4-FFF2-40B4-BE49-F238E27FC236}">
-                <a16:creationId xmlns:a16="http://schemas.microsoft.com/office/drawing/2014/main" id="{152C40C5-D4F4-A2C6-7AE4-2EA8DFD400AA}"/>
+                <a16:creationId xmlns:a16="http://schemas.microsoft.com/office/drawing/2014/main" id="{41263735-3228-11EC-1925-28B7E0D6E158}"/>
               </a:ext>
             </a:extLst>
           </p:cNvPr>
@@ -2958,7 +2958,7 @@
           <p:cNvPr id="6" name="灯片编号占位符 5">
             <a:extLst>
               <a:ext uri="{FF2B5EF4-FFF2-40B4-BE49-F238E27FC236}">
-                <a16:creationId xmlns:a16="http://schemas.microsoft.com/office/drawing/2014/main" id="{8F929472-5CD1-944F-2A66-D2455D7752F4}"/>
+                <a16:creationId xmlns:a16="http://schemas.microsoft.com/office/drawing/2014/main" id="{5054B3A8-F174-BCD2-F733-067E4B239BF2}"/>
               </a:ext>
             </a:extLst>
           </p:cNvPr>
@@ -2992,7 +2992,7 @@
             </a:lvl1pPr>
           </a:lstStyle>
           <a:p>
-            <a:fld id="{0BE0DD3F-8FD2-47D9-8A24-E84F1F2DC940}" type="slidenum">
+            <a:fld id="{28D6C77A-7846-477B-B2E0-32ADD9DF8374}" type="slidenum">
               <a:rPr lang="zh-CN" altLang="en-US" smtClean="0"/>
               <a:t>‹#›</a:t>
             </a:fld>
@@ -3003,7 +3003,7 @@
     </p:spTree>
     <p:extLst>
       <p:ext uri="{BB962C8B-B14F-4D97-AF65-F5344CB8AC3E}">
-        <p14:creationId xmlns:p14="http://schemas.microsoft.com/office/powerpoint/2010/main" val="3824640406"/>
+        <p14:creationId xmlns:p14="http://schemas.microsoft.com/office/powerpoint/2010/main" val="1754809207"/>
       </p:ext>
     </p:extLst>
   </p:cSld>
@@ -3323,7 +3323,7 @@
       </p:grpSpPr>
       <p:pic>
         <p:nvPicPr>
-          <p:cNvPr id="1389570" name="Picture 2" descr="1356"/>
+          <p:cNvPr id="1390594" name="Picture 2" descr="1357"/>
           <p:cNvPicPr>
             <a:picLocks noChangeAspect="1" noChangeArrowheads="1"/>
           </p:cNvPicPr>
@@ -3344,8 +3344,8 @@
         </p:blipFill>
         <p:spPr bwMode="auto">
           <a:xfrm>
-            <a:off x="1500188" y="0"/>
-            <a:ext cx="9131301" cy="6237288"/>
+            <a:off x="1524000" y="0"/>
+            <a:ext cx="9144000" cy="6858000"/>
           </a:xfrm>
           <a:prstGeom prst="rect">
             <a:avLst/>
@@ -3375,11 +3375,158 @@
           </a:extLst>
         </p:spPr>
       </p:pic>
+      <p:pic>
+        <p:nvPicPr>
+          <p:cNvPr id="1391619" name="Picture 3" descr="1357-2"/>
+          <p:cNvPicPr>
+            <a:picLocks noChangeAspect="1" noChangeArrowheads="1"/>
+          </p:cNvPicPr>
+          <p:nvPr/>
+        </p:nvPicPr>
+        <p:blipFill>
+          <a:blip r:embed="rId3">
+            <a:extLst>
+              <a:ext uri="{28A0092B-C50C-407E-A947-70E740481C1C}">
+                <a14:useLocalDpi xmlns:a14="http://schemas.microsoft.com/office/drawing/2010/main" val="0"/>
+              </a:ext>
+            </a:extLst>
+          </a:blip>
+          <a:srcRect/>
+          <a:stretch>
+            <a:fillRect/>
+          </a:stretch>
+        </p:blipFill>
+        <p:spPr bwMode="auto">
+          <a:xfrm>
+            <a:off x="1524000" y="0"/>
+            <a:ext cx="9144000" cy="6858000"/>
+          </a:xfrm>
+          <a:prstGeom prst="rect">
+            <a:avLst/>
+          </a:prstGeom>
+          <a:noFill/>
+          <a:ln>
+            <a:noFill/>
+          </a:ln>
+          <a:effectLst/>
+          <a:extLst>
+            <a:ext uri="{909E8E84-426E-40DD-AFC4-6F175D3DCCD1}">
+              <a14:hiddenFill xmlns:a14="http://schemas.microsoft.com/office/drawing/2010/main">
+                <a:solidFill>
+                  <a:srgbClr val="FFFFFF"/>
+                </a:solidFill>
+              </a14:hiddenFill>
+            </a:ext>
+            <a:ext uri="{91240B29-F687-4F45-9708-019B960494DF}">
+              <a14:hiddenLine xmlns:a14="http://schemas.microsoft.com/office/drawing/2010/main" w="9525">
+                <a:solidFill>
+                  <a:srgbClr val="000000"/>
+                </a:solidFill>
+                <a:miter lim="800000"/>
+                <a:headEnd/>
+                <a:tailEnd/>
+              </a14:hiddenLine>
+            </a:ext>
+            <a:ext uri="{AF507438-7753-43E0-B8FC-AC1667EBCBE1}">
+              <a14:hiddenEffects xmlns:a14="http://schemas.microsoft.com/office/drawing/2010/main">
+                <a:effectLst>
+                  <a:outerShdw dist="35921" dir="2700000" algn="ctr" rotWithShape="0">
+                    <a:srgbClr val="808080"/>
+                  </a:outerShdw>
+                </a:effectLst>
+              </a14:hiddenEffects>
+            </a:ext>
+          </a:extLst>
+        </p:spPr>
+      </p:pic>
     </p:spTree>
   </p:cSld>
   <p:clrMapOvr>
     <a:masterClrMapping/>
   </p:clrMapOvr>
+  <p:timing>
+    <p:tnLst>
+      <p:par>
+        <p:cTn id="1" dur="indefinite" restart="never" nodeType="tmRoot">
+          <p:childTnLst>
+            <p:seq concurrent="1" nextAc="seek">
+              <p:cTn id="2" dur="indefinite" nodeType="mainSeq">
+                <p:childTnLst>
+                  <p:par>
+                    <p:cTn id="3" fill="hold" nodeType="clickPar">
+                      <p:stCondLst>
+                        <p:cond delay="indefinite"/>
+                      </p:stCondLst>
+                      <p:childTnLst>
+                        <p:par>
+                          <p:cTn id="4" fill="hold" nodeType="withGroup">
+                            <p:stCondLst>
+                              <p:cond delay="0"/>
+                            </p:stCondLst>
+                            <p:childTnLst>
+                              <p:par>
+                                <p:cTn id="5" presetID="10" presetClass="entr" presetSubtype="0" fill="hold" nodeType="clickEffect">
+                                  <p:stCondLst>
+                                    <p:cond delay="0"/>
+                                  </p:stCondLst>
+                                  <p:childTnLst>
+                                    <p:set>
+                                      <p:cBhvr>
+                                        <p:cTn id="6" dur="1" fill="hold">
+                                          <p:stCondLst>
+                                            <p:cond delay="0"/>
+                                          </p:stCondLst>
+                                        </p:cTn>
+                                        <p:tgtEl>
+                                          <p:spTgt spid="1391619"/>
+                                        </p:tgtEl>
+                                        <p:attrNameLst>
+                                          <p:attrName>style.visibility</p:attrName>
+                                        </p:attrNameLst>
+                                      </p:cBhvr>
+                                      <p:to>
+                                        <p:strVal val="visible"/>
+                                      </p:to>
+                                    </p:set>
+                                    <p:animEffect transition="in" filter="fade">
+                                      <p:cBhvr>
+                                        <p:cTn id="7" dur="500"/>
+                                        <p:tgtEl>
+                                          <p:spTgt spid="1391619"/>
+                                        </p:tgtEl>
+                                      </p:cBhvr>
+                                    </p:animEffect>
+                                  </p:childTnLst>
+                                </p:cTn>
+                              </p:par>
+                            </p:childTnLst>
+                          </p:cTn>
+                        </p:par>
+                      </p:childTnLst>
+                    </p:cTn>
+                  </p:par>
+                </p:childTnLst>
+              </p:cTn>
+              <p:prevCondLst>
+                <p:cond evt="onPrev" delay="0">
+                  <p:tgtEl>
+                    <p:sldTgt/>
+                  </p:tgtEl>
+                </p:cond>
+              </p:prevCondLst>
+              <p:nextCondLst>
+                <p:cond evt="onNext" delay="0">
+                  <p:tgtEl>
+                    <p:sldTgt/>
+                  </p:tgtEl>
+                </p:cond>
+              </p:nextCondLst>
+            </p:seq>
+          </p:childTnLst>
+        </p:cTn>
+      </p:par>
+    </p:tnLst>
+  </p:timing>
 </p:sld>
 </file>
 
